--- a/CapstoneProject/CapstoneProject_Presentation.pptx
+++ b/CapstoneProject/CapstoneProject_Presentation.pptx
@@ -3603,10 +3603,10 @@
         <a:lstStyle/>
         <a:p>
           <a:r>
-            <a:rPr lang="en-AU"/>
-            <a:t>Dataset overview</a:t>
+            <a:rPr lang="en-AU" dirty="0"/>
+            <a:t>Dataset Overview</a:t>
           </a:r>
-          <a:endParaRPr lang="en-US"/>
+          <a:endParaRPr lang="en-US" dirty="0"/>
         </a:p>
       </dgm:t>
     </dgm:pt>
@@ -3752,7 +3752,7 @@
         <a:p>
           <a:r>
             <a:rPr lang="en-AU" dirty="0"/>
-            <a:t>Future work and Conclusion</a:t>
+            <a:t>Future Work and Conclusion</a:t>
           </a:r>
           <a:endParaRPr lang="en-US" dirty="0"/>
         </a:p>
@@ -5850,10 +5850,10 @@
             <a:buNone/>
           </a:pPr>
           <a:r>
-            <a:rPr lang="en-AU" sz="3200" kern="1200"/>
-            <a:t>Dataset overview</a:t>
+            <a:rPr lang="en-AU" sz="3200" kern="1200" dirty="0"/>
+            <a:t>Dataset Overview</a:t>
           </a:r>
-          <a:endParaRPr lang="en-US" sz="3200" kern="1200"/>
+          <a:endParaRPr lang="en-US" sz="3200" kern="1200" dirty="0"/>
         </a:p>
       </dsp:txBody>
       <dsp:txXfrm>
@@ -6291,7 +6291,7 @@
           </a:pPr>
           <a:r>
             <a:rPr lang="en-AU" sz="3200" kern="1200" dirty="0"/>
-            <a:t>Future work and Conclusion</a:t>
+            <a:t>Future Work and Conclusion</a:t>
           </a:r>
           <a:endParaRPr lang="en-US" sz="3200" kern="1200" dirty="0"/>
         </a:p>
@@ -13797,7 +13797,7 @@
           <a:p>
             <a:fld id="{5BCAD085-E8A6-8845-BD4E-CB4CCA059FC4}" type="datetimeFigureOut">
               <a:rPr lang="en-US" smtClean="0"/>
-              <a:t>8/9/2025</a:t>
+              <a:t>8/16/2025</a:t>
             </a:fld>
             <a:endParaRPr lang="en-US"/>
           </a:p>
@@ -13965,7 +13965,7 @@
           <a:p>
             <a:fld id="{5BCAD085-E8A6-8845-BD4E-CB4CCA059FC4}" type="datetimeFigureOut">
               <a:rPr lang="en-US" smtClean="0"/>
-              <a:t>8/9/2025</a:t>
+              <a:t>8/16/2025</a:t>
             </a:fld>
             <a:endParaRPr lang="en-US"/>
           </a:p>
@@ -14143,7 +14143,7 @@
           <a:p>
             <a:fld id="{5BCAD085-E8A6-8845-BD4E-CB4CCA059FC4}" type="datetimeFigureOut">
               <a:rPr lang="en-US" smtClean="0"/>
-              <a:t>8/9/2025</a:t>
+              <a:t>8/16/2025</a:t>
             </a:fld>
             <a:endParaRPr lang="en-US"/>
           </a:p>
@@ -14311,7 +14311,7 @@
           <a:p>
             <a:fld id="{5BCAD085-E8A6-8845-BD4E-CB4CCA059FC4}" type="datetimeFigureOut">
               <a:rPr lang="en-US" smtClean="0"/>
-              <a:t>8/9/2025</a:t>
+              <a:t>8/16/2025</a:t>
             </a:fld>
             <a:endParaRPr lang="en-US"/>
           </a:p>
@@ -14556,7 +14556,7 @@
           <a:p>
             <a:fld id="{5BCAD085-E8A6-8845-BD4E-CB4CCA059FC4}" type="datetimeFigureOut">
               <a:rPr lang="en-US" smtClean="0"/>
-              <a:t>8/9/2025</a:t>
+              <a:t>8/16/2025</a:t>
             </a:fld>
             <a:endParaRPr lang="en-US"/>
           </a:p>
@@ -14841,7 +14841,7 @@
           <a:p>
             <a:fld id="{5BCAD085-E8A6-8845-BD4E-CB4CCA059FC4}" type="datetimeFigureOut">
               <a:rPr lang="en-US" smtClean="0"/>
-              <a:t>8/9/2025</a:t>
+              <a:t>8/16/2025</a:t>
             </a:fld>
             <a:endParaRPr lang="en-US"/>
           </a:p>
@@ -15260,7 +15260,7 @@
           <a:p>
             <a:fld id="{5BCAD085-E8A6-8845-BD4E-CB4CCA059FC4}" type="datetimeFigureOut">
               <a:rPr lang="en-US" smtClean="0"/>
-              <a:t>8/9/2025</a:t>
+              <a:t>8/16/2025</a:t>
             </a:fld>
             <a:endParaRPr lang="en-US"/>
           </a:p>
@@ -15377,7 +15377,7 @@
           <a:p>
             <a:fld id="{5BCAD085-E8A6-8845-BD4E-CB4CCA059FC4}" type="datetimeFigureOut">
               <a:rPr lang="en-US" smtClean="0"/>
-              <a:t>8/9/2025</a:t>
+              <a:t>8/16/2025</a:t>
             </a:fld>
             <a:endParaRPr lang="en-US"/>
           </a:p>
@@ -15472,7 +15472,7 @@
           <a:p>
             <a:fld id="{5BCAD085-E8A6-8845-BD4E-CB4CCA059FC4}" type="datetimeFigureOut">
               <a:rPr lang="en-US" smtClean="0"/>
-              <a:t>8/9/2025</a:t>
+              <a:t>8/16/2025</a:t>
             </a:fld>
             <a:endParaRPr lang="en-US"/>
           </a:p>
@@ -15747,7 +15747,7 @@
           <a:p>
             <a:fld id="{5BCAD085-E8A6-8845-BD4E-CB4CCA059FC4}" type="datetimeFigureOut">
               <a:rPr lang="en-US" smtClean="0"/>
-              <a:t>8/9/2025</a:t>
+              <a:t>8/16/2025</a:t>
             </a:fld>
             <a:endParaRPr lang="en-US"/>
           </a:p>
@@ -16002,7 +16002,7 @@
           <a:p>
             <a:fld id="{5BCAD085-E8A6-8845-BD4E-CB4CCA059FC4}" type="datetimeFigureOut">
               <a:rPr lang="en-US" smtClean="0"/>
-              <a:t>8/9/2025</a:t>
+              <a:t>8/16/2025</a:t>
             </a:fld>
             <a:endParaRPr lang="en-US"/>
           </a:p>
@@ -16213,7 +16213,7 @@
           <a:p>
             <a:fld id="{5BCAD085-E8A6-8845-BD4E-CB4CCA059FC4}" type="datetimeFigureOut">
               <a:rPr lang="en-US" smtClean="0"/>
-              <a:t>8/9/2025</a:t>
+              <a:t>8/16/2025</a:t>
             </a:fld>
             <a:endParaRPr lang="en-US"/>
           </a:p>
@@ -20925,7 +20925,7 @@
             <p:ph idx="1"/>
             <p:extLst>
               <p:ext uri="{D42A27DB-BD31-4B8C-83A1-F6EECF244321}">
-                <p14:modId xmlns:p14="http://schemas.microsoft.com/office/powerpoint/2010/main" val="491988737"/>
+                <p14:modId xmlns:p14="http://schemas.microsoft.com/office/powerpoint/2010/main" val="3852215229"/>
               </p:ext>
             </p:extLst>
           </p:nvPr>

--- a/CapstoneProject/CapstoneProject_Presentation.pptx
+++ b/CapstoneProject/CapstoneProject_Presentation.pptx
@@ -6509,7 +6509,7 @@
         </a:bodyPr>
         <a:lstStyle/>
         <a:p>
-          <a:pPr marL="0" lvl="0" indent="0" algn="ctr" defTabSz="666750">
+          <a:pPr marL="0" lvl="0" indent="0" algn="ctr" defTabSz="622300">
             <a:lnSpc>
               <a:spcPct val="90000"/>
             </a:lnSpc>
@@ -6522,7 +6522,7 @@
             <a:buNone/>
           </a:pPr>
           <a:r>
-            <a:rPr lang="en-US" sz="1500" kern="1200" dirty="0"/>
+            <a:rPr lang="en-US" sz="1400" kern="1200" dirty="0"/>
             <a:t>Faster claim processing → improved customer satisfaction</a:t>
           </a:r>
         </a:p>
@@ -6618,7 +6618,7 @@
         </a:bodyPr>
         <a:lstStyle/>
         <a:p>
-          <a:pPr marL="0" lvl="0" indent="0" algn="ctr" defTabSz="666750">
+          <a:pPr marL="0" lvl="0" indent="0" algn="ctr" defTabSz="622300">
             <a:lnSpc>
               <a:spcPct val="90000"/>
             </a:lnSpc>
@@ -6631,7 +6631,7 @@
             <a:buNone/>
           </a:pPr>
           <a:r>
-            <a:rPr lang="en-US" sz="1500" kern="1200" dirty="0"/>
+            <a:rPr lang="en-US" sz="1400" kern="1200" dirty="0"/>
             <a:t>Lower operational costs for insurance companies</a:t>
           </a:r>
         </a:p>
@@ -6727,7 +6727,7 @@
         </a:bodyPr>
         <a:lstStyle/>
         <a:p>
-          <a:pPr marL="0" lvl="0" indent="0" algn="ctr" defTabSz="666750">
+          <a:pPr marL="0" lvl="0" indent="0" algn="ctr" defTabSz="622300">
             <a:lnSpc>
               <a:spcPct val="90000"/>
             </a:lnSpc>
@@ -6740,7 +6740,7 @@
             <a:buNone/>
           </a:pPr>
           <a:r>
-            <a:rPr lang="en-US" sz="1500" kern="1200" dirty="0"/>
+            <a:rPr lang="en-US" sz="1400" kern="1200" dirty="0"/>
             <a:t>Reduced errors and fraud in damage evaluation</a:t>
           </a:r>
         </a:p>
@@ -6836,7 +6836,7 @@
         </a:bodyPr>
         <a:lstStyle/>
         <a:p>
-          <a:pPr marL="0" lvl="0" indent="0" algn="ctr" defTabSz="666750">
+          <a:pPr marL="0" lvl="0" indent="0" algn="ctr" defTabSz="622300">
             <a:lnSpc>
               <a:spcPct val="90000"/>
             </a:lnSpc>
@@ -6849,7 +6849,7 @@
             <a:buNone/>
           </a:pPr>
           <a:r>
-            <a:rPr lang="en-US" sz="1500" kern="1200" dirty="0"/>
+            <a:rPr lang="en-US" sz="1400" kern="1200" dirty="0"/>
             <a:t>Scalable solution for nationwide deployment</a:t>
           </a:r>
         </a:p>
@@ -6945,7 +6945,7 @@
         </a:bodyPr>
         <a:lstStyle/>
         <a:p>
-          <a:pPr marL="0" lvl="0" indent="0" algn="ctr" defTabSz="666750">
+          <a:pPr marL="0" lvl="0" indent="0" algn="ctr" defTabSz="622300">
             <a:lnSpc>
               <a:spcPct val="90000"/>
             </a:lnSpc>
@@ -6958,7 +6958,7 @@
             <a:buNone/>
           </a:pPr>
           <a:r>
-            <a:rPr lang="en-US" sz="1500" kern="1200" dirty="0"/>
+            <a:rPr lang="en-US" sz="1400" kern="1200" dirty="0"/>
             <a:t>Real-time assessment possibilities</a:t>
           </a:r>
         </a:p>
@@ -22419,7 +22419,7 @@
             </a:pPr>
             <a:r>
               <a:rPr lang="en-AU" dirty="0"/>
-              <a:t>Several models were tested during the project:</a:t>
+              <a:t>Several models were built and tested during the project:</a:t>
             </a:r>
           </a:p>
           <a:p>
@@ -22520,7 +22520,7 @@
           <a:p>
             <a:r>
               <a:rPr lang="en-AU" dirty="0"/>
-              <a:t>Summary of the Results</a:t>
+              <a:t>Summary of the Test Results</a:t>
             </a:r>
           </a:p>
         </p:txBody>

--- a/CapstoneProject/CapstoneProject_Presentation.pptx
+++ b/CapstoneProject/CapstoneProject_Presentation.pptx
@@ -3678,7 +3678,7 @@
         <a:p>
           <a:r>
             <a:rPr lang="en-AU" dirty="0"/>
-            <a:t>Model Evaluation</a:t>
+            <a:t>Modelling and Model Evaluation</a:t>
           </a:r>
           <a:endParaRPr lang="en-US" dirty="0"/>
         </a:p>
@@ -6071,7 +6071,7 @@
           </a:pPr>
           <a:r>
             <a:rPr lang="en-AU" sz="3200" kern="1200" dirty="0"/>
-            <a:t>Model Evaluation</a:t>
+            <a:t>Modelling and Model Evaluation</a:t>
           </a:r>
           <a:endParaRPr lang="en-US" sz="3200" kern="1200" dirty="0"/>
         </a:p>
@@ -6509,7 +6509,7 @@
         </a:bodyPr>
         <a:lstStyle/>
         <a:p>
-          <a:pPr marL="0" lvl="0" indent="0" algn="ctr" defTabSz="622300">
+          <a:pPr marL="0" lvl="0" indent="0" algn="ctr" defTabSz="666750">
             <a:lnSpc>
               <a:spcPct val="90000"/>
             </a:lnSpc>
@@ -6522,7 +6522,7 @@
             <a:buNone/>
           </a:pPr>
           <a:r>
-            <a:rPr lang="en-US" sz="1400" kern="1200" dirty="0"/>
+            <a:rPr lang="en-US" sz="1500" kern="1200" dirty="0"/>
             <a:t>Faster claim processing → improved customer satisfaction</a:t>
           </a:r>
         </a:p>
@@ -6618,7 +6618,7 @@
         </a:bodyPr>
         <a:lstStyle/>
         <a:p>
-          <a:pPr marL="0" lvl="0" indent="0" algn="ctr" defTabSz="622300">
+          <a:pPr marL="0" lvl="0" indent="0" algn="ctr" defTabSz="666750">
             <a:lnSpc>
               <a:spcPct val="90000"/>
             </a:lnSpc>
@@ -6631,7 +6631,7 @@
             <a:buNone/>
           </a:pPr>
           <a:r>
-            <a:rPr lang="en-US" sz="1400" kern="1200" dirty="0"/>
+            <a:rPr lang="en-US" sz="1500" kern="1200" dirty="0"/>
             <a:t>Lower operational costs for insurance companies</a:t>
           </a:r>
         </a:p>
@@ -6727,7 +6727,7 @@
         </a:bodyPr>
         <a:lstStyle/>
         <a:p>
-          <a:pPr marL="0" lvl="0" indent="0" algn="ctr" defTabSz="622300">
+          <a:pPr marL="0" lvl="0" indent="0" algn="ctr" defTabSz="666750">
             <a:lnSpc>
               <a:spcPct val="90000"/>
             </a:lnSpc>
@@ -6740,7 +6740,7 @@
             <a:buNone/>
           </a:pPr>
           <a:r>
-            <a:rPr lang="en-US" sz="1400" kern="1200" dirty="0"/>
+            <a:rPr lang="en-US" sz="1500" kern="1200" dirty="0"/>
             <a:t>Reduced errors and fraud in damage evaluation</a:t>
           </a:r>
         </a:p>
@@ -6836,7 +6836,7 @@
         </a:bodyPr>
         <a:lstStyle/>
         <a:p>
-          <a:pPr marL="0" lvl="0" indent="0" algn="ctr" defTabSz="622300">
+          <a:pPr marL="0" lvl="0" indent="0" algn="ctr" defTabSz="666750">
             <a:lnSpc>
               <a:spcPct val="90000"/>
             </a:lnSpc>
@@ -6849,7 +6849,7 @@
             <a:buNone/>
           </a:pPr>
           <a:r>
-            <a:rPr lang="en-US" sz="1400" kern="1200" dirty="0"/>
+            <a:rPr lang="en-US" sz="1500" kern="1200" dirty="0"/>
             <a:t>Scalable solution for nationwide deployment</a:t>
           </a:r>
         </a:p>
@@ -6945,7 +6945,7 @@
         </a:bodyPr>
         <a:lstStyle/>
         <a:p>
-          <a:pPr marL="0" lvl="0" indent="0" algn="ctr" defTabSz="622300">
+          <a:pPr marL="0" lvl="0" indent="0" algn="ctr" defTabSz="666750">
             <a:lnSpc>
               <a:spcPct val="90000"/>
             </a:lnSpc>
@@ -6958,7 +6958,7 @@
             <a:buNone/>
           </a:pPr>
           <a:r>
-            <a:rPr lang="en-US" sz="1400" kern="1200" dirty="0"/>
+            <a:rPr lang="en-US" sz="1500" kern="1200" dirty="0"/>
             <a:t>Real-time assessment possibilities</a:t>
           </a:r>
         </a:p>
@@ -13797,7 +13797,7 @@
           <a:p>
             <a:fld id="{5BCAD085-E8A6-8845-BD4E-CB4CCA059FC4}" type="datetimeFigureOut">
               <a:rPr lang="en-US" smtClean="0"/>
-              <a:t>8/16/2025</a:t>
+              <a:t>8/17/2025</a:t>
             </a:fld>
             <a:endParaRPr lang="en-US"/>
           </a:p>
@@ -13965,7 +13965,7 @@
           <a:p>
             <a:fld id="{5BCAD085-E8A6-8845-BD4E-CB4CCA059FC4}" type="datetimeFigureOut">
               <a:rPr lang="en-US" smtClean="0"/>
-              <a:t>8/16/2025</a:t>
+              <a:t>8/17/2025</a:t>
             </a:fld>
             <a:endParaRPr lang="en-US"/>
           </a:p>
@@ -14143,7 +14143,7 @@
           <a:p>
             <a:fld id="{5BCAD085-E8A6-8845-BD4E-CB4CCA059FC4}" type="datetimeFigureOut">
               <a:rPr lang="en-US" smtClean="0"/>
-              <a:t>8/16/2025</a:t>
+              <a:t>8/17/2025</a:t>
             </a:fld>
             <a:endParaRPr lang="en-US"/>
           </a:p>
@@ -14311,7 +14311,7 @@
           <a:p>
             <a:fld id="{5BCAD085-E8A6-8845-BD4E-CB4CCA059FC4}" type="datetimeFigureOut">
               <a:rPr lang="en-US" smtClean="0"/>
-              <a:t>8/16/2025</a:t>
+              <a:t>8/17/2025</a:t>
             </a:fld>
             <a:endParaRPr lang="en-US"/>
           </a:p>
@@ -14556,7 +14556,7 @@
           <a:p>
             <a:fld id="{5BCAD085-E8A6-8845-BD4E-CB4CCA059FC4}" type="datetimeFigureOut">
               <a:rPr lang="en-US" smtClean="0"/>
-              <a:t>8/16/2025</a:t>
+              <a:t>8/17/2025</a:t>
             </a:fld>
             <a:endParaRPr lang="en-US"/>
           </a:p>
@@ -14841,7 +14841,7 @@
           <a:p>
             <a:fld id="{5BCAD085-E8A6-8845-BD4E-CB4CCA059FC4}" type="datetimeFigureOut">
               <a:rPr lang="en-US" smtClean="0"/>
-              <a:t>8/16/2025</a:t>
+              <a:t>8/17/2025</a:t>
             </a:fld>
             <a:endParaRPr lang="en-US"/>
           </a:p>
@@ -15260,7 +15260,7 @@
           <a:p>
             <a:fld id="{5BCAD085-E8A6-8845-BD4E-CB4CCA059FC4}" type="datetimeFigureOut">
               <a:rPr lang="en-US" smtClean="0"/>
-              <a:t>8/16/2025</a:t>
+              <a:t>8/17/2025</a:t>
             </a:fld>
             <a:endParaRPr lang="en-US"/>
           </a:p>
@@ -15377,7 +15377,7 @@
           <a:p>
             <a:fld id="{5BCAD085-E8A6-8845-BD4E-CB4CCA059FC4}" type="datetimeFigureOut">
               <a:rPr lang="en-US" smtClean="0"/>
-              <a:t>8/16/2025</a:t>
+              <a:t>8/17/2025</a:t>
             </a:fld>
             <a:endParaRPr lang="en-US"/>
           </a:p>
@@ -15472,7 +15472,7 @@
           <a:p>
             <a:fld id="{5BCAD085-E8A6-8845-BD4E-CB4CCA059FC4}" type="datetimeFigureOut">
               <a:rPr lang="en-US" smtClean="0"/>
-              <a:t>8/16/2025</a:t>
+              <a:t>8/17/2025</a:t>
             </a:fld>
             <a:endParaRPr lang="en-US"/>
           </a:p>
@@ -15747,7 +15747,7 @@
           <a:p>
             <a:fld id="{5BCAD085-E8A6-8845-BD4E-CB4CCA059FC4}" type="datetimeFigureOut">
               <a:rPr lang="en-US" smtClean="0"/>
-              <a:t>8/16/2025</a:t>
+              <a:t>8/17/2025</a:t>
             </a:fld>
             <a:endParaRPr lang="en-US"/>
           </a:p>
@@ -16002,7 +16002,7 @@
           <a:p>
             <a:fld id="{5BCAD085-E8A6-8845-BD4E-CB4CCA059FC4}" type="datetimeFigureOut">
               <a:rPr lang="en-US" smtClean="0"/>
-              <a:t>8/16/2025</a:t>
+              <a:t>8/17/2025</a:t>
             </a:fld>
             <a:endParaRPr lang="en-US"/>
           </a:p>
@@ -16213,7 +16213,7 @@
           <a:p>
             <a:fld id="{5BCAD085-E8A6-8845-BD4E-CB4CCA059FC4}" type="datetimeFigureOut">
               <a:rPr lang="en-US" smtClean="0"/>
-              <a:t>8/16/2025</a:t>
+              <a:t>8/17/2025</a:t>
             </a:fld>
             <a:endParaRPr lang="en-US"/>
           </a:p>
@@ -20925,7 +20925,7 @@
             <p:ph idx="1"/>
             <p:extLst>
               <p:ext uri="{D42A27DB-BD31-4B8C-83A1-F6EECF244321}">
-                <p14:modId xmlns:p14="http://schemas.microsoft.com/office/powerpoint/2010/main" val="3852215229"/>
+                <p14:modId xmlns:p14="http://schemas.microsoft.com/office/powerpoint/2010/main" val="1879845518"/>
               </p:ext>
             </p:extLst>
           </p:nvPr>
